--- a/multiway_tree.pptx
+++ b/multiway_tree.pptx
@@ -10500,11 +10500,7 @@
           <a:p>
             <a:r>
               <a:rPr lang="en-US" altLang="en-US" dirty="0" smtClean="0"/>
-              <a:t>B-</a:t>
-            </a:r>
-            <a:r>
-              <a:rPr lang="en-US" altLang="en-US" dirty="0" smtClean="0"/>
-              <a:t>Tree</a:t>
+              <a:t>B-Tree</a:t>
             </a:r>
             <a:endParaRPr lang="en-US" altLang="en-US" dirty="0"/>
           </a:p>
@@ -10695,11 +10691,7 @@
             </a:r>
             <a:r>
               <a:rPr lang="en-US" altLang="en-US" sz="3200" dirty="0" smtClean="0"/>
-              <a:t>B-</a:t>
-            </a:r>
-            <a:r>
-              <a:rPr lang="en-US" altLang="en-US" sz="3200" dirty="0" smtClean="0"/>
-              <a:t>Tree</a:t>
+              <a:t>B-Tree</a:t>
             </a:r>
             <a:endParaRPr lang="en-US" sz="3200" dirty="0"/>
           </a:p>
@@ -12033,11 +12025,7 @@
             </a:r>
             <a:r>
               <a:rPr lang="en-US" sz="2800" dirty="0" smtClean="0"/>
-              <a:t>n/2 </a:t>
-            </a:r>
-            <a:r>
-              <a:rPr lang="en-US" sz="2800" dirty="0" smtClean="0"/>
-              <a:t>non-empty </a:t>
+              <a:t>n/2 non-empty </a:t>
             </a:r>
             <a:r>
               <a:rPr lang="en-US" sz="2800" dirty="0"/>
@@ -12060,11 +12048,7 @@
             </a:r>
             <a:r>
               <a:rPr lang="en-US" sz="2800" dirty="0" smtClean="0"/>
-              <a:t>has at most</a:t>
-            </a:r>
-            <a:r>
-              <a:rPr lang="en-US" sz="2800" dirty="0" smtClean="0"/>
-              <a:t> </a:t>
+              <a:t>has at most </a:t>
             </a:r>
             <a:r>
               <a:rPr lang="en-US" sz="2800" dirty="0"/>
@@ -12072,11 +12056,7 @@
             </a:r>
             <a:r>
               <a:rPr lang="en-US" sz="2800" dirty="0" smtClean="0"/>
-              <a:t>keys</a:t>
-            </a:r>
-            <a:r>
-              <a:rPr lang="en-US" sz="2800" dirty="0" smtClean="0"/>
-              <a:t>.</a:t>
+              <a:t>keys.</a:t>
             </a:r>
             <a:endParaRPr lang="en-US" sz="2800" dirty="0"/>
           </a:p>
@@ -12244,21 +12224,13 @@
           <a:p>
             <a:r>
               <a:rPr lang="en-US" altLang="en-US" sz="2800" dirty="0" smtClean="0"/>
-              <a:t>In </a:t>
-            </a:r>
+              <a:t>In B tree we start to search from root node and compare the value.</a:t>
+            </a:r>
+          </a:p>
+          <a:p>
             <a:r>
               <a:rPr lang="en-US" altLang="en-US" sz="2800" dirty="0" smtClean="0"/>
-              <a:t>B tree we start to search from root node and compare the value.</a:t>
-            </a:r>
-          </a:p>
-          <a:p>
-            <a:r>
-              <a:rPr lang="en-US" altLang="en-US" sz="2800" dirty="0" smtClean="0"/>
-              <a:t>Determine </a:t>
-            </a:r>
-            <a:r>
-              <a:rPr lang="en-US" altLang="en-US" sz="2800" dirty="0" smtClean="0"/>
-              <a:t>which pointer to follow based on the value of key and the value of node. </a:t>
+              <a:t>Determine which pointer to follow based on the value of key and the value of node. </a:t>
             </a:r>
           </a:p>
           <a:p>
@@ -12627,7 +12599,15 @@
             </a:r>
             <a:r>
               <a:rPr lang="en-US" sz="2400" dirty="0"/>
-              <a:t> If the key k is in node x and x is a leaf, delete the key k from x.</a:t>
+              <a:t> If the key k is in node </a:t>
+            </a:r>
+            <a:r>
+              <a:rPr lang="en-US" sz="2400" dirty="0" smtClean="0"/>
+              <a:t>x and x is </a:t>
+            </a:r>
+            <a:r>
+              <a:rPr lang="en-US" sz="2400" dirty="0"/>
+              <a:t>a leaf, delete the key k from x.</a:t>
             </a:r>
           </a:p>
           <a:p>
@@ -12693,7 +12673,6 @@
               <a:rPr lang="en-US" sz="2400" dirty="0"/>
               <a:t>     </a:t>
             </a:r>
-            <a:endParaRPr lang="en-US" sz="2400" dirty="0"/>
           </a:p>
         </p:txBody>
       </p:sp>
@@ -12979,91 +12958,91 @@
               <a:buNone/>
             </a:pPr>
             <a:r>
-              <a:rPr lang="en-US" b="1" dirty="0"/>
+              <a:rPr lang="en-US" sz="2400" b="1" dirty="0"/>
               <a:t>a)</a:t>
             </a:r>
             <a:r>
-              <a:rPr lang="en-US" dirty="0"/>
+              <a:rPr lang="en-US" sz="2400" dirty="0"/>
               <a:t> If </a:t>
             </a:r>
             <a:r>
-              <a:rPr lang="en-US" dirty="0" err="1"/>
+              <a:rPr lang="en-US" sz="2400" dirty="0" err="1"/>
               <a:t>x.c</a:t>
             </a:r>
             <a:r>
-              <a:rPr lang="en-US" dirty="0"/>
+              <a:rPr lang="en-US" sz="2400" dirty="0"/>
               <a:t>(</a:t>
             </a:r>
             <a:r>
-              <a:rPr lang="en-US" dirty="0" err="1"/>
+              <a:rPr lang="en-US" sz="2400" dirty="0" err="1"/>
               <a:t>i</a:t>
             </a:r>
             <a:r>
-              <a:rPr lang="en-US" dirty="0"/>
+              <a:rPr lang="en-US" sz="2400" dirty="0"/>
               <a:t>) has only t-1 keys but has an immediate sibling with at least t keys, give </a:t>
             </a:r>
             <a:r>
-              <a:rPr lang="en-US" dirty="0" err="1"/>
+              <a:rPr lang="en-US" sz="2400" dirty="0" err="1"/>
               <a:t>x.c</a:t>
             </a:r>
             <a:r>
-              <a:rPr lang="en-US" dirty="0"/>
+              <a:rPr lang="en-US" sz="2400" dirty="0"/>
               <a:t>(</a:t>
             </a:r>
             <a:r>
-              <a:rPr lang="en-US" dirty="0" err="1"/>
+              <a:rPr lang="en-US" sz="2400" dirty="0" err="1"/>
               <a:t>i</a:t>
             </a:r>
             <a:r>
-              <a:rPr lang="en-US" dirty="0"/>
+              <a:rPr lang="en-US" sz="2400" dirty="0"/>
               <a:t>) an extra key by moving a key from x down into </a:t>
             </a:r>
             <a:r>
-              <a:rPr lang="en-US" dirty="0" err="1"/>
+              <a:rPr lang="en-US" sz="2400" dirty="0" err="1"/>
               <a:t>x.c</a:t>
             </a:r>
             <a:r>
-              <a:rPr lang="en-US" dirty="0"/>
+              <a:rPr lang="en-US" sz="2400" dirty="0"/>
               <a:t>(</a:t>
             </a:r>
             <a:r>
-              <a:rPr lang="en-US" dirty="0" err="1"/>
+              <a:rPr lang="en-US" sz="2400" dirty="0" err="1"/>
               <a:t>i</a:t>
             </a:r>
             <a:r>
-              <a:rPr lang="en-US" dirty="0"/>
+              <a:rPr lang="en-US" sz="2400" dirty="0"/>
               <a:t>), moving a key from </a:t>
             </a:r>
             <a:r>
-              <a:rPr lang="en-US" dirty="0" err="1"/>
+              <a:rPr lang="en-US" sz="2400" dirty="0" err="1"/>
               <a:t>x.c</a:t>
             </a:r>
             <a:r>
-              <a:rPr lang="en-US" dirty="0"/>
+              <a:rPr lang="en-US" sz="2400" dirty="0"/>
               <a:t>(</a:t>
             </a:r>
             <a:r>
-              <a:rPr lang="en-US" dirty="0" err="1"/>
+              <a:rPr lang="en-US" sz="2400" dirty="0" err="1"/>
               <a:t>i</a:t>
             </a:r>
             <a:r>
-              <a:rPr lang="en-US" dirty="0"/>
+              <a:rPr lang="en-US" sz="2400" dirty="0"/>
               <a:t>) ’s immediate left or right sibling up into x, and moving the appropriate child pointer from the sibling into </a:t>
             </a:r>
             <a:r>
-              <a:rPr lang="en-US" dirty="0" err="1"/>
+              <a:rPr lang="en-US" sz="2400" dirty="0" err="1"/>
               <a:t>x.c</a:t>
             </a:r>
             <a:r>
-              <a:rPr lang="en-US" dirty="0"/>
+              <a:rPr lang="en-US" sz="2400" dirty="0"/>
               <a:t>(</a:t>
             </a:r>
             <a:r>
-              <a:rPr lang="en-US" dirty="0" err="1"/>
+              <a:rPr lang="en-US" sz="2400" dirty="0" err="1"/>
               <a:t>i</a:t>
             </a:r>
             <a:r>
-              <a:rPr lang="en-US" dirty="0"/>
+              <a:rPr lang="en-US" sz="2400" dirty="0"/>
               <a:t>).</a:t>
             </a:r>
           </a:p>
@@ -13072,62 +13051,61 @@
               <a:buNone/>
             </a:pPr>
             <a:r>
-              <a:rPr lang="en-US" b="1" dirty="0"/>
+              <a:rPr lang="en-US" sz="2400" b="1" dirty="0"/>
               <a:t>b)</a:t>
             </a:r>
             <a:r>
-              <a:rPr lang="en-US" dirty="0"/>
+              <a:rPr lang="en-US" sz="2400" dirty="0"/>
               <a:t> If </a:t>
             </a:r>
             <a:r>
-              <a:rPr lang="en-US" dirty="0" err="1"/>
+              <a:rPr lang="en-US" sz="2400" dirty="0" err="1"/>
               <a:t>x.c</a:t>
             </a:r>
             <a:r>
-              <a:rPr lang="en-US" dirty="0"/>
+              <a:rPr lang="en-US" sz="2400" dirty="0"/>
               <a:t>(</a:t>
             </a:r>
             <a:r>
-              <a:rPr lang="en-US" dirty="0" err="1"/>
+              <a:rPr lang="en-US" sz="2400" dirty="0" err="1"/>
               <a:t>i</a:t>
             </a:r>
             <a:r>
-              <a:rPr lang="en-US" dirty="0"/>
+              <a:rPr lang="en-US" sz="2400" dirty="0"/>
               <a:t>) and both of </a:t>
             </a:r>
             <a:r>
-              <a:rPr lang="en-US" dirty="0" err="1"/>
+              <a:rPr lang="en-US" sz="2400" dirty="0" err="1"/>
               <a:t>x.c</a:t>
             </a:r>
             <a:r>
-              <a:rPr lang="en-US" dirty="0"/>
+              <a:rPr lang="en-US" sz="2400" dirty="0"/>
               <a:t>(</a:t>
             </a:r>
             <a:r>
-              <a:rPr lang="en-US" dirty="0" err="1"/>
+              <a:rPr lang="en-US" sz="2400" dirty="0" err="1"/>
               <a:t>i</a:t>
             </a:r>
             <a:r>
-              <a:rPr lang="en-US" dirty="0"/>
+              <a:rPr lang="en-US" sz="2400" dirty="0"/>
               <a:t>)’s immediate siblings have t-1 keys, merge </a:t>
             </a:r>
             <a:r>
-              <a:rPr lang="en-US" dirty="0" err="1"/>
+              <a:rPr lang="en-US" sz="2400" dirty="0" err="1"/>
               <a:t>x.c</a:t>
             </a:r>
             <a:r>
-              <a:rPr lang="en-US" dirty="0"/>
+              <a:rPr lang="en-US" sz="2400" dirty="0"/>
               <a:t>(</a:t>
             </a:r>
             <a:r>
-              <a:rPr lang="en-US" dirty="0" err="1"/>
+              <a:rPr lang="en-US" sz="2400" dirty="0" err="1"/>
               <a:t>i</a:t>
             </a:r>
             <a:r>
-              <a:rPr lang="en-US"/>
+              <a:rPr lang="en-US" sz="2400" dirty="0"/>
               <a:t>) with one sibling, which involves moving a key from x down into the new merged node to become the median key for that node.</a:t>
             </a:r>
-            <a:endParaRPr lang="en-US"/>
           </a:p>
         </p:txBody>
       </p:sp>
